--- a/Documents/Drafts/Design Ppt Hot topic3.pptx
+++ b/Documents/Drafts/Design Ppt Hot topic3.pptx
@@ -5,23 +5,24 @@
     <p:sldMasterId id="2147483684" r:id="rId1"/>
   </p:sldMasterIdLst>
   <p:sldIdLst>
-    <p:sldId id="265" r:id="rId2"/>
-    <p:sldId id="266" r:id="rId3"/>
-    <p:sldId id="267" r:id="rId4"/>
-    <p:sldId id="278" r:id="rId5"/>
-    <p:sldId id="274" r:id="rId6"/>
+    <p:sldId id="280" r:id="rId2"/>
+    <p:sldId id="265" r:id="rId3"/>
+    <p:sldId id="266" r:id="rId4"/>
+    <p:sldId id="267" r:id="rId5"/>
+    <p:sldId id="278" r:id="rId6"/>
     <p:sldId id="271" r:id="rId7"/>
     <p:sldId id="269" r:id="rId8"/>
     <p:sldId id="263" r:id="rId9"/>
     <p:sldId id="264" r:id="rId10"/>
     <p:sldId id="256" r:id="rId11"/>
     <p:sldId id="257" r:id="rId12"/>
-    <p:sldId id="259" r:id="rId13"/>
-    <p:sldId id="258" r:id="rId14"/>
-    <p:sldId id="272" r:id="rId15"/>
-    <p:sldId id="273" r:id="rId16"/>
-    <p:sldId id="270" r:id="rId17"/>
-    <p:sldId id="275" r:id="rId18"/>
+    <p:sldId id="279" r:id="rId13"/>
+    <p:sldId id="259" r:id="rId14"/>
+    <p:sldId id="258" r:id="rId15"/>
+    <p:sldId id="272" r:id="rId16"/>
+    <p:sldId id="273" r:id="rId17"/>
+    <p:sldId id="270" r:id="rId18"/>
+    <p:sldId id="275" r:id="rId19"/>
   </p:sldIdLst>
   <p:sldSz cx="9144000" cy="6858000" type="screen4x3"/>
   <p:notesSz cx="6858000" cy="9144000"/>
@@ -122,7 +123,7 @@
   </p:defaultTextStyle>
   <p:extLst>
     <p:ext uri="{EFAFB233-063F-42B5-8137-9DF3F51BA10A}">
-      <p15:sldGuideLst xmlns:p15="http://schemas.microsoft.com/office/powerpoint/2012/main" xmlns="">
+      <p15:sldGuideLst xmlns="" xmlns:p15="http://schemas.microsoft.com/office/powerpoint/2012/main">
         <p15:guide id="1" orient="horz" pos="2160">
           <p15:clr>
             <a:srgbClr val="A4A3A4"/>
@@ -4053,113 +4054,101 @@
             <p:ph type="title"/>
           </p:nvPr>
         </p:nvSpPr>
-        <p:spPr/>
+        <p:spPr>
+          <a:xfrm>
+            <a:off x="2426899" y="3429000"/>
+            <a:ext cx="5256584" cy="1143000"/>
+          </a:xfrm>
+        </p:spPr>
+        <p:txBody>
+          <a:bodyPr>
+            <a:noAutofit/>
+          </a:bodyPr>
+          <a:lstStyle/>
+          <a:p>
+            <a:r>
+              <a:rPr lang="en-NZ" sz="6000" dirty="0" smtClean="0"/>
+              <a:t>Save Electricity</a:t>
+            </a:r>
+            <a:endParaRPr lang="en-NZ" sz="6000" dirty="0"/>
+          </a:p>
+        </p:txBody>
+      </p:sp>
+      <p:sp>
+        <p:nvSpPr>
+          <p:cNvPr id="3" name="Content Placeholder 2"/>
+          <p:cNvSpPr>
+            <a:spLocks noGrp="1"/>
+          </p:cNvSpPr>
+          <p:nvPr>
+            <p:ph idx="1"/>
+          </p:nvPr>
+        </p:nvSpPr>
+        <p:spPr>
+          <a:xfrm>
+            <a:off x="1475656" y="4797152"/>
+            <a:ext cx="6880808" cy="1307232"/>
+          </a:xfrm>
+        </p:spPr>
         <p:txBody>
           <a:bodyPr/>
           <a:lstStyle/>
-          <a:p>
-            <a:r>
-              <a:rPr lang="en-NZ" dirty="0"/>
-              <a:t>Aim &amp; Scope</a:t>
-            </a:r>
-          </a:p>
-        </p:txBody>
-      </p:sp>
-      <p:sp>
-        <p:nvSpPr>
-          <p:cNvPr id="3" name="Content Placeholder 2"/>
-          <p:cNvSpPr>
-            <a:spLocks noGrp="1"/>
-          </p:cNvSpPr>
-          <p:nvPr>
-            <p:ph idx="1"/>
-          </p:nvPr>
-        </p:nvSpPr>
-        <p:spPr/>
-        <p:txBody>
-          <a:bodyPr>
-            <a:normAutofit fontScale="92500"/>
-          </a:bodyPr>
-          <a:lstStyle/>
-          <a:p>
-            <a:pPr marL="0" indent="0">
-              <a:buNone/>
-            </a:pPr>
-            <a:r>
-              <a:rPr lang="en-NZ" dirty="0"/>
-              <a:t>Aim</a:t>
-            </a:r>
-          </a:p>
-          <a:p>
-            <a:pPr marL="0" indent="0">
-              <a:buNone/>
-            </a:pPr>
-            <a:r>
-              <a:rPr lang="en-NZ" dirty="0"/>
-              <a:t>Develop an educational game for children about the concept of saving </a:t>
-            </a:r>
-            <a:r>
-              <a:rPr lang="en-NZ" dirty="0" smtClean="0"/>
-              <a:t>electricity.</a:t>
-            </a:r>
-            <a:endParaRPr lang="en-NZ" dirty="0"/>
-          </a:p>
-          <a:p>
-            <a:pPr marL="0" indent="0">
-              <a:buNone/>
-            </a:pPr>
-            <a:endParaRPr lang="en-NZ" dirty="0"/>
-          </a:p>
-          <a:p>
-            <a:pPr marL="0" indent="0">
-              <a:buNone/>
-            </a:pPr>
-            <a:r>
-              <a:rPr lang="en-NZ" dirty="0"/>
-              <a:t>Scope:</a:t>
-            </a:r>
-          </a:p>
           <a:p>
             <a:pPr marL="82296" indent="0">
               <a:buNone/>
             </a:pPr>
             <a:r>
               <a:rPr lang="en-NZ" dirty="0" smtClean="0"/>
-              <a:t>Develop Android game for </a:t>
-            </a:r>
-            <a:r>
-              <a:rPr lang="en-NZ" dirty="0" smtClean="0"/>
-              <a:t>4-6 </a:t>
-            </a:r>
-            <a:r>
-              <a:rPr lang="en-NZ" dirty="0"/>
-              <a:t>year </a:t>
-            </a:r>
-            <a:r>
-              <a:rPr lang="en-NZ" dirty="0" smtClean="0"/>
-              <a:t>olds with interact-able objects and level progression.</a:t>
-            </a:r>
-            <a:endParaRPr lang="en-NZ" dirty="0"/>
-          </a:p>
-          <a:p>
-            <a:r>
-              <a:rPr lang="en-NZ" dirty="0"/>
-              <a:t>2D style Game</a:t>
-            </a:r>
-          </a:p>
-          <a:p>
-            <a:r>
-              <a:rPr lang="en-NZ" dirty="0" smtClean="0"/>
-              <a:t>Voice/audio feedback</a:t>
-            </a:r>
-            <a:endParaRPr lang="en-NZ" dirty="0"/>
-          </a:p>
-        </p:txBody>
-      </p:sp>
+              <a:t>Educational Android Game for children</a:t>
+            </a:r>
+          </a:p>
+        </p:txBody>
+      </p:sp>
+      <p:pic>
+        <p:nvPicPr>
+          <p:cNvPr id="3076" name="Picture 4" descr="C:\Users\Kunal\Desktop\electric-clipart-5.png"/>
+          <p:cNvPicPr>
+            <a:picLocks noChangeAspect="1" noChangeArrowheads="1"/>
+          </p:cNvPicPr>
+          <p:nvPr/>
+        </p:nvPicPr>
+        <p:blipFill>
+          <a:blip r:embed="rId2">
+            <a:extLst>
+              <a:ext uri="{28A0092B-C50C-407E-A947-70E740481C1C}">
+                <a14:useLocalDpi xmlns:a14="http://schemas.microsoft.com/office/drawing/2010/main" val="0"/>
+              </a:ext>
+            </a:extLst>
+          </a:blip>
+          <a:srcRect/>
+          <a:stretch>
+            <a:fillRect/>
+          </a:stretch>
+        </p:blipFill>
+        <p:spPr bwMode="auto">
+          <a:xfrm>
+            <a:off x="3707904" y="548680"/>
+            <a:ext cx="2638962" cy="2880623"/>
+          </a:xfrm>
+          <a:prstGeom prst="rect">
+            <a:avLst/>
+          </a:prstGeom>
+          <a:noFill/>
+          <a:extLst>
+            <a:ext uri="{909E8E84-426E-40DD-AFC4-6F175D3DCCD1}">
+              <a14:hiddenFill xmlns:a14="http://schemas.microsoft.com/office/drawing/2010/main">
+                <a:solidFill>
+                  <a:srgbClr val="FFFFFF"/>
+                </a:solidFill>
+              </a14:hiddenFill>
+            </a:ext>
+          </a:extLst>
+        </p:spPr>
+      </p:pic>
     </p:spTree>
     <p:extLst>
       <p:ext uri="{BB962C8B-B14F-4D97-AF65-F5344CB8AC3E}">
-        <p14:creationId xmlns:p14="http://schemas.microsoft.com/office/powerpoint/2010/main" val="892039915"/>
+        <p14:creationId xmlns:p14="http://schemas.microsoft.com/office/powerpoint/2010/main" val="2926386816"/>
       </p:ext>
     </p:extLst>
   </p:cSld>
@@ -4438,10 +4427,136 @@
           <a:bodyPr/>
           <a:lstStyle/>
           <a:p>
-            <a:r>
-              <a:rPr lang="en-NZ" dirty="0"/>
-              <a:t>Flowchart</a:t>
-            </a:r>
+            <a:pPr algn="ctr"/>
+            <a:r>
+              <a:rPr lang="en-NZ" dirty="0" smtClean="0"/>
+              <a:t>Level complete screen</a:t>
+            </a:r>
+            <a:endParaRPr lang="en-NZ" dirty="0"/>
+          </a:p>
+        </p:txBody>
+      </p:sp>
+      <p:pic>
+        <p:nvPicPr>
+          <p:cNvPr id="1027" name="Picture 3"/>
+          <p:cNvPicPr>
+            <a:picLocks noChangeAspect="1" noChangeArrowheads="1"/>
+          </p:cNvPicPr>
+          <p:nvPr/>
+        </p:nvPicPr>
+        <p:blipFill>
+          <a:blip r:embed="rId2" cstate="print">
+            <a:extLst>
+              <a:ext uri="{28A0092B-C50C-407E-A947-70E740481C1C}">
+                <a14:useLocalDpi xmlns:a14="http://schemas.microsoft.com/office/drawing/2010/main" val="0"/>
+              </a:ext>
+            </a:extLst>
+          </a:blip>
+          <a:srcRect/>
+          <a:stretch>
+            <a:fillRect/>
+          </a:stretch>
+        </p:blipFill>
+        <p:spPr bwMode="auto">
+          <a:xfrm>
+            <a:off x="1115616" y="1628799"/>
+            <a:ext cx="7817408" cy="3672409"/>
+          </a:xfrm>
+          <a:prstGeom prst="rect">
+            <a:avLst/>
+          </a:prstGeom>
+          <a:noFill/>
+          <a:ln>
+            <a:noFill/>
+          </a:ln>
+          <a:effectLst/>
+          <a:extLst>
+            <a:ext uri="{909E8E84-426E-40DD-AFC4-6F175D3DCCD1}">
+              <a14:hiddenFill xmlns:a14="http://schemas.microsoft.com/office/drawing/2010/main">
+                <a:solidFill>
+                  <a:schemeClr val="accent1"/>
+                </a:solidFill>
+              </a14:hiddenFill>
+            </a:ext>
+            <a:ext uri="{91240B29-F687-4F45-9708-019B960494DF}">
+              <a14:hiddenLine xmlns:a14="http://schemas.microsoft.com/office/drawing/2010/main" w="9525">
+                <a:solidFill>
+                  <a:schemeClr val="tx1"/>
+                </a:solidFill>
+                <a:miter lim="800000"/>
+                <a:headEnd/>
+                <a:tailEnd/>
+              </a14:hiddenLine>
+            </a:ext>
+            <a:ext uri="{AF507438-7753-43E0-B8FC-AC1667EBCBE1}">
+              <a14:hiddenEffects xmlns:a14="http://schemas.microsoft.com/office/drawing/2010/main">
+                <a:effectLst>
+                  <a:outerShdw dist="35921" dir="2700000" algn="ctr" rotWithShape="0">
+                    <a:schemeClr val="bg2"/>
+                  </a:outerShdw>
+                </a:effectLst>
+              </a14:hiddenEffects>
+            </a:ext>
+          </a:extLst>
+        </p:spPr>
+      </p:pic>
+    </p:spTree>
+    <p:extLst>
+      <p:ext uri="{BB962C8B-B14F-4D97-AF65-F5344CB8AC3E}">
+        <p14:creationId xmlns:p14="http://schemas.microsoft.com/office/powerpoint/2010/main" val="2797676050"/>
+      </p:ext>
+    </p:extLst>
+  </p:cSld>
+  <p:clrMapOvr>
+    <a:masterClrMapping/>
+  </p:clrMapOvr>
+</p:sld>
+</file>
+
+<file path=ppt/slides/slide13.xml><?xml version="1.0" encoding="utf-8"?>
+<p:sld xmlns:a="http://schemas.openxmlformats.org/drawingml/2006/main" xmlns:r="http://schemas.openxmlformats.org/officeDocument/2006/relationships" xmlns:p="http://schemas.openxmlformats.org/presentationml/2006/main">
+  <p:cSld>
+    <p:spTree>
+      <p:nvGrpSpPr>
+        <p:cNvPr id="1" name=""/>
+        <p:cNvGrpSpPr/>
+        <p:nvPr/>
+      </p:nvGrpSpPr>
+      <p:grpSpPr>
+        <a:xfrm>
+          <a:off x="0" y="0"/>
+          <a:ext cx="0" cy="0"/>
+          <a:chOff x="0" y="0"/>
+          <a:chExt cx="0" cy="0"/>
+        </a:xfrm>
+      </p:grpSpPr>
+      <p:sp>
+        <p:nvSpPr>
+          <p:cNvPr id="2" name="Title 1"/>
+          <p:cNvSpPr>
+            <a:spLocks noGrp="1"/>
+          </p:cNvSpPr>
+          <p:nvPr>
+            <p:ph type="title"/>
+          </p:nvPr>
+        </p:nvSpPr>
+        <p:spPr>
+          <a:xfrm>
+            <a:off x="1187624" y="131851"/>
+            <a:ext cx="7498080" cy="576064"/>
+          </a:xfrm>
+        </p:spPr>
+        <p:txBody>
+          <a:bodyPr>
+            <a:normAutofit fontScale="90000"/>
+          </a:bodyPr>
+          <a:lstStyle/>
+          <a:p>
+            <a:r>
+              <a:rPr lang="en-NZ" dirty="0" smtClean="0"/>
+              <a:t>			Flowchart</a:t>
+            </a:r>
+            <a:endParaRPr lang="en-NZ" dirty="0"/>
           </a:p>
         </p:txBody>
       </p:sp>
@@ -4468,8 +4583,8 @@
         </p:blipFill>
         <p:spPr bwMode="auto">
           <a:xfrm>
-            <a:off x="1115616" y="1237947"/>
-            <a:ext cx="7830377" cy="4855349"/>
+            <a:off x="971600" y="692696"/>
+            <a:ext cx="8172400" cy="6149985"/>
           </a:xfrm>
           <a:prstGeom prst="rect">
             <a:avLst/>
@@ -4499,7 +4614,7 @@
 </p:sld>
 </file>
 
-<file path=ppt/slides/slide13.xml><?xml version="1.0" encoding="utf-8"?>
+<file path=ppt/slides/slide14.xml><?xml version="1.0" encoding="utf-8"?>
 <p:sld xmlns:a="http://schemas.openxmlformats.org/drawingml/2006/main" xmlns:r="http://schemas.openxmlformats.org/officeDocument/2006/relationships" xmlns:p="http://schemas.openxmlformats.org/presentationml/2006/main">
   <p:cSld>
     <p:spTree>
@@ -4597,140 +4712,6 @@
 </p:sld>
 </file>
 
-<file path=ppt/slides/slide14.xml><?xml version="1.0" encoding="utf-8"?>
-<p:sld xmlns:a="http://schemas.openxmlformats.org/drawingml/2006/main" xmlns:r="http://schemas.openxmlformats.org/officeDocument/2006/relationships" xmlns:p="http://schemas.openxmlformats.org/presentationml/2006/main">
-  <p:cSld>
-    <p:spTree>
-      <p:nvGrpSpPr>
-        <p:cNvPr id="1" name=""/>
-        <p:cNvGrpSpPr/>
-        <p:nvPr/>
-      </p:nvGrpSpPr>
-      <p:grpSpPr>
-        <a:xfrm>
-          <a:off x="0" y="0"/>
-          <a:ext cx="0" cy="0"/>
-          <a:chOff x="0" y="0"/>
-          <a:chExt cx="0" cy="0"/>
-        </a:xfrm>
-      </p:grpSpPr>
-      <p:sp>
-        <p:nvSpPr>
-          <p:cNvPr id="2" name="Title 1">
-            <a:extLst>
-              <a:ext uri="{FF2B5EF4-FFF2-40B4-BE49-F238E27FC236}">
-                <a16:creationId xmlns:a16="http://schemas.microsoft.com/office/drawing/2014/main" xmlns="" id="{673B6483-1F06-4608-8C3A-C2183E86684C}"/>
-              </a:ext>
-            </a:extLst>
-          </p:cNvPr>
-          <p:cNvSpPr>
-            <a:spLocks noGrp="1"/>
-          </p:cNvSpPr>
-          <p:nvPr>
-            <p:ph type="title"/>
-          </p:nvPr>
-        </p:nvSpPr>
-        <p:spPr/>
-        <p:txBody>
-          <a:bodyPr/>
-          <a:lstStyle/>
-          <a:p>
-            <a:r>
-              <a:rPr lang="en-US" dirty="0"/>
-              <a:t>Resources</a:t>
-            </a:r>
-          </a:p>
-        </p:txBody>
-      </p:sp>
-      <p:sp>
-        <p:nvSpPr>
-          <p:cNvPr id="3" name="Content Placeholder 2">
-            <a:extLst>
-              <a:ext uri="{FF2B5EF4-FFF2-40B4-BE49-F238E27FC236}">
-                <a16:creationId xmlns:a16="http://schemas.microsoft.com/office/drawing/2014/main" xmlns="" id="{5BD03FD5-DCB0-4D1B-8806-AAAC4DDFF026}"/>
-              </a:ext>
-            </a:extLst>
-          </p:cNvPr>
-          <p:cNvSpPr>
-            <a:spLocks noGrp="1"/>
-          </p:cNvSpPr>
-          <p:nvPr>
-            <p:ph idx="1"/>
-          </p:nvPr>
-        </p:nvSpPr>
-        <p:spPr/>
-        <p:txBody>
-          <a:bodyPr/>
-          <a:lstStyle/>
-          <a:p>
-            <a:pPr marL="82296" indent="0">
-              <a:buNone/>
-            </a:pPr>
-            <a:r>
-              <a:rPr lang="en-US" dirty="0"/>
-              <a:t>Software:</a:t>
-            </a:r>
-          </a:p>
-          <a:p>
-            <a:r>
-              <a:rPr lang="en-US" dirty="0"/>
-              <a:t>Unity</a:t>
-            </a:r>
-          </a:p>
-          <a:p>
-            <a:r>
-              <a:rPr lang="en-US" dirty="0"/>
-              <a:t>Visual Studio</a:t>
-            </a:r>
-          </a:p>
-          <a:p>
-            <a:r>
-              <a:rPr lang="en-US" dirty="0"/>
-              <a:t>Photoshop</a:t>
-            </a:r>
-          </a:p>
-          <a:p>
-            <a:pPr marL="82296" indent="0">
-              <a:buNone/>
-            </a:pPr>
-            <a:endParaRPr lang="en-US" dirty="0"/>
-          </a:p>
-          <a:p>
-            <a:pPr marL="82296" indent="0">
-              <a:buNone/>
-            </a:pPr>
-            <a:r>
-              <a:rPr lang="en-US" dirty="0"/>
-              <a:t>Hardware:</a:t>
-            </a:r>
-          </a:p>
-          <a:p>
-            <a:r>
-              <a:rPr lang="en-US" dirty="0"/>
-              <a:t>PC desktop</a:t>
-            </a:r>
-          </a:p>
-          <a:p>
-            <a:r>
-              <a:rPr lang="en-US" dirty="0"/>
-              <a:t>Android device</a:t>
-            </a:r>
-          </a:p>
-        </p:txBody>
-      </p:sp>
-    </p:spTree>
-    <p:extLst>
-      <p:ext uri="{BB962C8B-B14F-4D97-AF65-F5344CB8AC3E}">
-        <p14:creationId xmlns:p14="http://schemas.microsoft.com/office/powerpoint/2010/main" val="3143081796"/>
-      </p:ext>
-    </p:extLst>
-  </p:cSld>
-  <p:clrMapOvr>
-    <a:masterClrMapping/>
-  </p:clrMapOvr>
-</p:sld>
-</file>
-
 <file path=ppt/slides/slide15.xml><?xml version="1.0" encoding="utf-8"?>
 <p:sld xmlns:a="http://schemas.openxmlformats.org/drawingml/2006/main" xmlns:r="http://schemas.openxmlformats.org/officeDocument/2006/relationships" xmlns:p="http://schemas.openxmlformats.org/presentationml/2006/main">
   <p:cSld>
@@ -4753,7 +4734,7 @@
           <p:cNvPr id="2" name="Title 1">
             <a:extLst>
               <a:ext uri="{FF2B5EF4-FFF2-40B4-BE49-F238E27FC236}">
-                <a16:creationId xmlns:a16="http://schemas.microsoft.com/office/drawing/2014/main" xmlns="" id="{A99D5C69-F391-4C72-87C4-19CC00A8CD2B}"/>
+                <a16:creationId xmlns="" xmlns:a16="http://schemas.microsoft.com/office/drawing/2014/main" id="{673B6483-1F06-4608-8C3A-C2183E86684C}"/>
               </a:ext>
             </a:extLst>
           </p:cNvPr>
@@ -4771,7 +4752,7 @@
           <a:p>
             <a:r>
               <a:rPr lang="en-US" dirty="0"/>
-              <a:t>Project Risks</a:t>
+              <a:t>Resources</a:t>
             </a:r>
           </a:p>
         </p:txBody>
@@ -4781,7 +4762,7 @@
           <p:cNvPr id="3" name="Content Placeholder 2">
             <a:extLst>
               <a:ext uri="{FF2B5EF4-FFF2-40B4-BE49-F238E27FC236}">
-                <a16:creationId xmlns:a16="http://schemas.microsoft.com/office/drawing/2014/main" xmlns="" id="{846B3586-2BF1-4679-AB44-4CAE8D912C69}"/>
+                <a16:creationId xmlns="" xmlns:a16="http://schemas.microsoft.com/office/drawing/2014/main" id="{5BD03FD5-DCB0-4D1B-8806-AAAC4DDFF026}"/>
               </a:ext>
             </a:extLst>
           </p:cNvPr>
@@ -4797,21 +4778,30 @@
           <a:bodyPr/>
           <a:lstStyle/>
           <a:p>
+            <a:pPr marL="82296" indent="0">
+              <a:buNone/>
+            </a:pPr>
             <a:r>
               <a:rPr lang="en-US" dirty="0"/>
-              <a:t>Lack of game developing experience</a:t>
+              <a:t>Software:</a:t>
             </a:r>
           </a:p>
           <a:p>
             <a:r>
               <a:rPr lang="en-US" dirty="0"/>
-              <a:t>Dependent on assets</a:t>
+              <a:t>Unity</a:t>
             </a:r>
           </a:p>
           <a:p>
             <a:r>
               <a:rPr lang="en-US" dirty="0"/>
-              <a:t>Time constraint</a:t>
+              <a:t>Visual Studio</a:t>
+            </a:r>
+          </a:p>
+          <a:p>
+            <a:r>
+              <a:rPr lang="en-US" dirty="0"/>
+              <a:t>Photoshop</a:t>
             </a:r>
           </a:p>
           <a:p>
@@ -4820,12 +4810,33 @@
             </a:pPr>
             <a:endParaRPr lang="en-US" dirty="0"/>
           </a:p>
+          <a:p>
+            <a:pPr marL="82296" indent="0">
+              <a:buNone/>
+            </a:pPr>
+            <a:r>
+              <a:rPr lang="en-US" dirty="0"/>
+              <a:t>Hardware:</a:t>
+            </a:r>
+          </a:p>
+          <a:p>
+            <a:r>
+              <a:rPr lang="en-US" dirty="0"/>
+              <a:t>PC desktop</a:t>
+            </a:r>
+          </a:p>
+          <a:p>
+            <a:r>
+              <a:rPr lang="en-US" dirty="0"/>
+              <a:t>Android device</a:t>
+            </a:r>
+          </a:p>
         </p:txBody>
       </p:sp>
     </p:spTree>
     <p:extLst>
       <p:ext uri="{BB962C8B-B14F-4D97-AF65-F5344CB8AC3E}">
-        <p14:creationId xmlns:p14="http://schemas.microsoft.com/office/powerpoint/2010/main" val="1672543559"/>
+        <p14:creationId xmlns:p14="http://schemas.microsoft.com/office/powerpoint/2010/main" val="3143081796"/>
       </p:ext>
     </p:extLst>
   </p:cSld>
@@ -4854,6 +4865,110 @@
       </p:grpSpPr>
       <p:sp>
         <p:nvSpPr>
+          <p:cNvPr id="2" name="Title 1">
+            <a:extLst>
+              <a:ext uri="{FF2B5EF4-FFF2-40B4-BE49-F238E27FC236}">
+                <a16:creationId xmlns="" xmlns:a16="http://schemas.microsoft.com/office/drawing/2014/main" id="{A99D5C69-F391-4C72-87C4-19CC00A8CD2B}"/>
+              </a:ext>
+            </a:extLst>
+          </p:cNvPr>
+          <p:cNvSpPr>
+            <a:spLocks noGrp="1"/>
+          </p:cNvSpPr>
+          <p:nvPr>
+            <p:ph type="title"/>
+          </p:nvPr>
+        </p:nvSpPr>
+        <p:spPr/>
+        <p:txBody>
+          <a:bodyPr/>
+          <a:lstStyle/>
+          <a:p>
+            <a:r>
+              <a:rPr lang="en-US" dirty="0"/>
+              <a:t>Project Risks</a:t>
+            </a:r>
+          </a:p>
+        </p:txBody>
+      </p:sp>
+      <p:sp>
+        <p:nvSpPr>
+          <p:cNvPr id="3" name="Content Placeholder 2">
+            <a:extLst>
+              <a:ext uri="{FF2B5EF4-FFF2-40B4-BE49-F238E27FC236}">
+                <a16:creationId xmlns="" xmlns:a16="http://schemas.microsoft.com/office/drawing/2014/main" id="{846B3586-2BF1-4679-AB44-4CAE8D912C69}"/>
+              </a:ext>
+            </a:extLst>
+          </p:cNvPr>
+          <p:cNvSpPr>
+            <a:spLocks noGrp="1"/>
+          </p:cNvSpPr>
+          <p:nvPr>
+            <p:ph idx="1"/>
+          </p:nvPr>
+        </p:nvSpPr>
+        <p:spPr/>
+        <p:txBody>
+          <a:bodyPr/>
+          <a:lstStyle/>
+          <a:p>
+            <a:r>
+              <a:rPr lang="en-US" dirty="0"/>
+              <a:t>Lack of game developing experience</a:t>
+            </a:r>
+          </a:p>
+          <a:p>
+            <a:r>
+              <a:rPr lang="en-US" dirty="0"/>
+              <a:t>Dependent on assets</a:t>
+            </a:r>
+          </a:p>
+          <a:p>
+            <a:r>
+              <a:rPr lang="en-US" dirty="0"/>
+              <a:t>Time constraint</a:t>
+            </a:r>
+          </a:p>
+          <a:p>
+            <a:pPr marL="82296" indent="0">
+              <a:buNone/>
+            </a:pPr>
+            <a:endParaRPr lang="en-US" dirty="0"/>
+          </a:p>
+        </p:txBody>
+      </p:sp>
+    </p:spTree>
+    <p:extLst>
+      <p:ext uri="{BB962C8B-B14F-4D97-AF65-F5344CB8AC3E}">
+        <p14:creationId xmlns:p14="http://schemas.microsoft.com/office/powerpoint/2010/main" val="1672543559"/>
+      </p:ext>
+    </p:extLst>
+  </p:cSld>
+  <p:clrMapOvr>
+    <a:masterClrMapping/>
+  </p:clrMapOvr>
+</p:sld>
+</file>
+
+<file path=ppt/slides/slide17.xml><?xml version="1.0" encoding="utf-8"?>
+<p:sld xmlns:a="http://schemas.openxmlformats.org/drawingml/2006/main" xmlns:r="http://schemas.openxmlformats.org/officeDocument/2006/relationships" xmlns:p="http://schemas.openxmlformats.org/presentationml/2006/main">
+  <p:cSld>
+    <p:spTree>
+      <p:nvGrpSpPr>
+        <p:cNvPr id="1" name=""/>
+        <p:cNvGrpSpPr/>
+        <p:nvPr/>
+      </p:nvGrpSpPr>
+      <p:grpSpPr>
+        <a:xfrm>
+          <a:off x="0" y="0"/>
+          <a:ext cx="0" cy="0"/>
+          <a:chOff x="0" y="0"/>
+          <a:chExt cx="0" cy="0"/>
+        </a:xfrm>
+      </p:grpSpPr>
+      <p:sp>
+        <p:nvSpPr>
           <p:cNvPr id="2" name="Title 1"/>
           <p:cNvSpPr>
             <a:spLocks noGrp="1"/>
@@ -4884,7 +4999,7 @@
           <p:cNvPr id="4" name="Picture 3">
             <a:extLst>
               <a:ext uri="{FF2B5EF4-FFF2-40B4-BE49-F238E27FC236}">
-                <a16:creationId xmlns:a16="http://schemas.microsoft.com/office/drawing/2014/main" xmlns="" id="{235F6000-0069-4749-A5A7-5B5D892E8D8E}"/>
+                <a16:creationId xmlns="" xmlns:a16="http://schemas.microsoft.com/office/drawing/2014/main" id="{235F6000-0069-4749-A5A7-5B5D892E8D8E}"/>
               </a:ext>
             </a:extLst>
           </p:cNvPr>
@@ -4922,7 +5037,7 @@
 </p:sld>
 </file>
 
-<file path=ppt/slides/slide17.xml><?xml version="1.0" encoding="utf-8"?>
+<file path=ppt/slides/slide18.xml><?xml version="1.0" encoding="utf-8"?>
 <p:sld xmlns:a="http://schemas.openxmlformats.org/drawingml/2006/main" xmlns:r="http://schemas.openxmlformats.org/officeDocument/2006/relationships" xmlns:p="http://schemas.openxmlformats.org/presentationml/2006/main">
   <p:cSld>
     <p:spTree>
@@ -5007,27 +5122,21 @@
             <p:ph type="title"/>
           </p:nvPr>
         </p:nvSpPr>
-        <p:spPr>
-          <a:xfrm>
-            <a:off x="2987824" y="332656"/>
-            <a:ext cx="3816424" cy="792088"/>
-          </a:xfrm>
-        </p:spPr>
+        <p:spPr/>
         <p:txBody>
           <a:bodyPr/>
           <a:lstStyle/>
           <a:p>
-            <a:pPr algn="ctr"/>
             <a:r>
               <a:rPr lang="en-NZ" dirty="0"/>
-              <a:t>Idea</a:t>
-            </a:r>
-          </a:p>
-        </p:txBody>
-      </p:sp>
-      <p:sp>
-        <p:nvSpPr>
-          <p:cNvPr id="4" name="Content Placeholder 2"/>
+              <a:t>Aim &amp; Scope</a:t>
+            </a:r>
+          </a:p>
+        </p:txBody>
+      </p:sp>
+      <p:sp>
+        <p:nvSpPr>
+          <p:cNvPr id="3" name="Content Placeholder 2"/>
           <p:cNvSpPr>
             <a:spLocks noGrp="1"/>
           </p:cNvSpPr>
@@ -5037,33 +5146,81 @@
         </p:nvSpPr>
         <p:spPr/>
         <p:txBody>
-          <a:bodyPr/>
-          <a:lstStyle/>
-          <a:p>
+          <a:bodyPr>
+            <a:normAutofit fontScale="92500"/>
+          </a:bodyPr>
+          <a:lstStyle/>
+          <a:p>
+            <a:pPr marL="0" indent="0">
+              <a:buNone/>
+            </a:pPr>
             <a:r>
               <a:rPr lang="en-NZ" dirty="0"/>
-              <a:t>Quiz like game with audio instead of texts</a:t>
-            </a:r>
-          </a:p>
-          <a:p>
+              <a:t>Aim</a:t>
+            </a:r>
+          </a:p>
+          <a:p>
+            <a:pPr marL="0" indent="0">
+              <a:buNone/>
+            </a:pPr>
             <a:r>
               <a:rPr lang="en-NZ" dirty="0"/>
-              <a:t>Level progression</a:t>
-            </a:r>
-          </a:p>
-          <a:p>
+              <a:t>Develop an educational game for children about the concept of saving </a:t>
+            </a:r>
+            <a:r>
+              <a:rPr lang="en-NZ" dirty="0" smtClean="0"/>
+              <a:t>electricity.</a:t>
+            </a:r>
+            <a:endParaRPr lang="en-NZ" dirty="0"/>
+          </a:p>
+          <a:p>
+            <a:pPr marL="0" indent="0">
+              <a:buNone/>
+            </a:pPr>
+            <a:endParaRPr lang="en-NZ" dirty="0"/>
+          </a:p>
+          <a:p>
+            <a:pPr marL="0" indent="0">
+              <a:buNone/>
+            </a:pPr>
             <a:r>
               <a:rPr lang="en-NZ" dirty="0"/>
-              <a:t>2D Style </a:t>
-            </a:r>
-          </a:p>
-          <a:p>
+              <a:t>Scope:</a:t>
+            </a:r>
+          </a:p>
+          <a:p>
+            <a:pPr marL="82296" indent="0">
+              <a:buNone/>
+            </a:pPr>
+            <a:r>
+              <a:rPr lang="en-NZ" dirty="0" smtClean="0"/>
+              <a:t>Develop Android game for 4-6 </a:t>
+            </a:r>
             <a:r>
               <a:rPr lang="en-NZ" dirty="0"/>
-              <a:t>Some animation</a:t>
-            </a:r>
-          </a:p>
-          <a:p>
+              <a:t>year </a:t>
+            </a:r>
+            <a:r>
+              <a:rPr lang="en-NZ" dirty="0" smtClean="0"/>
+              <a:t>olds with interact-able objects and level progression.</a:t>
+            </a:r>
+            <a:endParaRPr lang="en-NZ" dirty="0"/>
+          </a:p>
+          <a:p>
+            <a:r>
+              <a:rPr lang="en-NZ" dirty="0"/>
+              <a:t>2D style Game</a:t>
+            </a:r>
+          </a:p>
+          <a:p>
+            <a:r>
+              <a:rPr lang="en-NZ" dirty="0" smtClean="0"/>
+              <a:t>Voice/audio </a:t>
+            </a:r>
+            <a:r>
+              <a:rPr lang="en-NZ" dirty="0" smtClean="0"/>
+              <a:t>support</a:t>
+            </a:r>
             <a:endParaRPr lang="en-NZ" dirty="0"/>
           </a:p>
         </p:txBody>
@@ -5071,7 +5228,7 @@
     </p:spTree>
     <p:extLst>
       <p:ext uri="{BB962C8B-B14F-4D97-AF65-F5344CB8AC3E}">
-        <p14:creationId xmlns:p14="http://schemas.microsoft.com/office/powerpoint/2010/main" val="3251864485"/>
+        <p14:creationId xmlns:p14="http://schemas.microsoft.com/office/powerpoint/2010/main" val="892039915"/>
       </p:ext>
     </p:extLst>
   </p:cSld>
@@ -5108,6 +5265,107 @@
             <p:ph type="title"/>
           </p:nvPr>
         </p:nvSpPr>
+        <p:spPr>
+          <a:xfrm>
+            <a:off x="2987824" y="332656"/>
+            <a:ext cx="3816424" cy="792088"/>
+          </a:xfrm>
+        </p:spPr>
+        <p:txBody>
+          <a:bodyPr/>
+          <a:lstStyle/>
+          <a:p>
+            <a:pPr algn="ctr"/>
+            <a:r>
+              <a:rPr lang="en-NZ" dirty="0"/>
+              <a:t>Idea</a:t>
+            </a:r>
+          </a:p>
+        </p:txBody>
+      </p:sp>
+      <p:sp>
+        <p:nvSpPr>
+          <p:cNvPr id="4" name="Content Placeholder 2"/>
+          <p:cNvSpPr>
+            <a:spLocks noGrp="1"/>
+          </p:cNvSpPr>
+          <p:nvPr>
+            <p:ph idx="1"/>
+          </p:nvPr>
+        </p:nvSpPr>
+        <p:spPr/>
+        <p:txBody>
+          <a:bodyPr/>
+          <a:lstStyle/>
+          <a:p>
+            <a:r>
+              <a:rPr lang="en-NZ" dirty="0"/>
+              <a:t>Quiz like game with audio instead of texts</a:t>
+            </a:r>
+          </a:p>
+          <a:p>
+            <a:r>
+              <a:rPr lang="en-NZ" dirty="0"/>
+              <a:t>Level progression</a:t>
+            </a:r>
+          </a:p>
+          <a:p>
+            <a:r>
+              <a:rPr lang="en-NZ" dirty="0"/>
+              <a:t>2D Style </a:t>
+            </a:r>
+          </a:p>
+          <a:p>
+            <a:r>
+              <a:rPr lang="en-NZ" dirty="0"/>
+              <a:t>Some animation</a:t>
+            </a:r>
+          </a:p>
+          <a:p>
+            <a:endParaRPr lang="en-NZ" dirty="0"/>
+          </a:p>
+        </p:txBody>
+      </p:sp>
+    </p:spTree>
+    <p:extLst>
+      <p:ext uri="{BB962C8B-B14F-4D97-AF65-F5344CB8AC3E}">
+        <p14:creationId xmlns:p14="http://schemas.microsoft.com/office/powerpoint/2010/main" val="3251864485"/>
+      </p:ext>
+    </p:extLst>
+  </p:cSld>
+  <p:clrMapOvr>
+    <a:masterClrMapping/>
+  </p:clrMapOvr>
+</p:sld>
+</file>
+
+<file path=ppt/slides/slide4.xml><?xml version="1.0" encoding="utf-8"?>
+<p:sld xmlns:a="http://schemas.openxmlformats.org/drawingml/2006/main" xmlns:r="http://schemas.openxmlformats.org/officeDocument/2006/relationships" xmlns:p="http://schemas.openxmlformats.org/presentationml/2006/main">
+  <p:cSld>
+    <p:spTree>
+      <p:nvGrpSpPr>
+        <p:cNvPr id="1" name=""/>
+        <p:cNvGrpSpPr/>
+        <p:nvPr/>
+      </p:nvGrpSpPr>
+      <p:grpSpPr>
+        <a:xfrm>
+          <a:off x="0" y="0"/>
+          <a:ext cx="0" cy="0"/>
+          <a:chOff x="0" y="0"/>
+          <a:chExt cx="0" cy="0"/>
+        </a:xfrm>
+      </p:grpSpPr>
+      <p:sp>
+        <p:nvSpPr>
+          <p:cNvPr id="2" name="Title 1"/>
+          <p:cNvSpPr>
+            <a:spLocks noGrp="1"/>
+          </p:cNvSpPr>
+          <p:nvPr>
+            <p:ph type="title"/>
+          </p:nvPr>
+        </p:nvSpPr>
         <p:spPr/>
         <p:txBody>
           <a:bodyPr/>
@@ -5231,7 +5489,7 @@
 </p:sld>
 </file>
 
-<file path=ppt/slides/slide4.xml><?xml version="1.0" encoding="utf-8"?>
+<file path=ppt/slides/slide5.xml><?xml version="1.0" encoding="utf-8"?>
 <p:sld xmlns:a="http://schemas.openxmlformats.org/drawingml/2006/main" xmlns:r="http://schemas.openxmlformats.org/officeDocument/2006/relationships" xmlns:p="http://schemas.openxmlformats.org/presentationml/2006/main">
   <p:cSld>
     <p:spTree>
@@ -5325,208 +5583,6 @@
 </p:sld>
 </file>
 
-<file path=ppt/slides/slide5.xml><?xml version="1.0" encoding="utf-8"?>
-<p:sld xmlns:a="http://schemas.openxmlformats.org/drawingml/2006/main" xmlns:r="http://schemas.openxmlformats.org/officeDocument/2006/relationships" xmlns:p="http://schemas.openxmlformats.org/presentationml/2006/main">
-  <p:cSld>
-    <p:spTree>
-      <p:nvGrpSpPr>
-        <p:cNvPr id="1" name=""/>
-        <p:cNvGrpSpPr/>
-        <p:nvPr/>
-      </p:nvGrpSpPr>
-      <p:grpSpPr>
-        <a:xfrm>
-          <a:off x="0" y="0"/>
-          <a:ext cx="0" cy="0"/>
-          <a:chOff x="0" y="0"/>
-          <a:chExt cx="0" cy="0"/>
-        </a:xfrm>
-      </p:grpSpPr>
-      <p:sp>
-        <p:nvSpPr>
-          <p:cNvPr id="2" name="Title 1">
-            <a:extLst>
-              <a:ext uri="{FF2B5EF4-FFF2-40B4-BE49-F238E27FC236}">
-                <a16:creationId xmlns:a16="http://schemas.microsoft.com/office/drawing/2014/main" xmlns="" id="{94E7BF7F-E065-4E1C-9CD5-4BF08849F797}"/>
-              </a:ext>
-            </a:extLst>
-          </p:cNvPr>
-          <p:cNvSpPr>
-            <a:spLocks noGrp="1"/>
-          </p:cNvSpPr>
-          <p:nvPr>
-            <p:ph type="title"/>
-          </p:nvPr>
-        </p:nvSpPr>
-        <p:spPr/>
-        <p:txBody>
-          <a:bodyPr/>
-          <a:lstStyle/>
-          <a:p>
-            <a:pPr algn="ctr"/>
-            <a:r>
-              <a:rPr lang="en-IN" dirty="0"/>
-              <a:t>Popular Games</a:t>
-            </a:r>
-          </a:p>
-        </p:txBody>
-      </p:sp>
-      <p:sp>
-        <p:nvSpPr>
-          <p:cNvPr id="3" name="Content Placeholder 2">
-            <a:extLst>
-              <a:ext uri="{FF2B5EF4-FFF2-40B4-BE49-F238E27FC236}">
-                <a16:creationId xmlns:a16="http://schemas.microsoft.com/office/drawing/2014/main" xmlns="" id="{9DC8DE88-F88B-43D5-A7B7-B794CAB8E12C}"/>
-              </a:ext>
-            </a:extLst>
-          </p:cNvPr>
-          <p:cNvSpPr>
-            <a:spLocks noGrp="1"/>
-          </p:cNvSpPr>
-          <p:nvPr>
-            <p:ph idx="1"/>
-          </p:nvPr>
-        </p:nvSpPr>
-        <p:spPr>
-          <a:xfrm>
-            <a:off x="1547664" y="1340768"/>
-            <a:ext cx="7386024" cy="4907632"/>
-          </a:xfrm>
-        </p:spPr>
-        <p:txBody>
-          <a:bodyPr>
-            <a:normAutofit fontScale="55000" lnSpcReduction="20000"/>
-          </a:bodyPr>
-          <a:lstStyle/>
-          <a:p>
-            <a:pPr marL="82296" indent="0">
-              <a:buNone/>
-            </a:pPr>
-            <a:r>
-              <a:rPr lang="en-IN" b="1" dirty="0"/>
-              <a:t>Garden Game for Kids</a:t>
-            </a:r>
-          </a:p>
-          <a:p>
-            <a:pPr marL="82296" indent="0">
-              <a:buNone/>
-            </a:pPr>
-            <a:r>
-              <a:rPr lang="en-IN" dirty="0"/>
-              <a:t> Pros: </a:t>
-            </a:r>
-          </a:p>
-          <a:p>
-            <a:r>
-              <a:rPr lang="en-IN" dirty="0"/>
-              <a:t>Good visuals</a:t>
-            </a:r>
-          </a:p>
-          <a:p>
-            <a:r>
-              <a:rPr lang="en-IN" dirty="0"/>
-              <a:t>Animation support for children</a:t>
-            </a:r>
-          </a:p>
-          <a:p>
-            <a:r>
-              <a:rPr lang="en-IN" dirty="0"/>
-              <a:t>Multiple learning outcomes</a:t>
-            </a:r>
-          </a:p>
-          <a:p>
-            <a:pPr marL="82296" indent="0">
-              <a:buNone/>
-            </a:pPr>
-            <a:r>
-              <a:rPr lang="en-IN" dirty="0"/>
-              <a:t>Cons:</a:t>
-            </a:r>
-          </a:p>
-          <a:p>
-            <a:r>
-              <a:rPr lang="en-IN" dirty="0"/>
-              <a:t>Difficult to tilt water pot and seed bag</a:t>
-            </a:r>
-          </a:p>
-          <a:p>
-            <a:pPr marL="82296" indent="0">
-              <a:buNone/>
-            </a:pPr>
-            <a:endParaRPr lang="en-IN" dirty="0"/>
-          </a:p>
-          <a:p>
-            <a:pPr marL="82296" indent="0">
-              <a:buNone/>
-            </a:pPr>
-            <a:endParaRPr lang="en-IN" dirty="0"/>
-          </a:p>
-          <a:p>
-            <a:pPr marL="82296" indent="0">
-              <a:buNone/>
-            </a:pPr>
-            <a:r>
-              <a:rPr lang="en-IN" b="1" dirty="0"/>
-              <a:t>Jungle Doctor</a:t>
-            </a:r>
-          </a:p>
-          <a:p>
-            <a:pPr marL="82296" indent="0">
-              <a:buNone/>
-            </a:pPr>
-            <a:r>
-              <a:rPr lang="en-IN" dirty="0"/>
-              <a:t>Pros:</a:t>
-            </a:r>
-          </a:p>
-          <a:p>
-            <a:r>
-              <a:rPr lang="en-IN" dirty="0"/>
-              <a:t>Good Visuals and theme</a:t>
-            </a:r>
-          </a:p>
-          <a:p>
-            <a:r>
-              <a:rPr lang="en-IN" dirty="0"/>
-              <a:t>Different animals used to gain attention</a:t>
-            </a:r>
-          </a:p>
-          <a:p>
-            <a:pPr marL="82296" indent="0">
-              <a:buNone/>
-            </a:pPr>
-            <a:r>
-              <a:rPr lang="en-IN" dirty="0"/>
-              <a:t>Cons:</a:t>
-            </a:r>
-          </a:p>
-          <a:p>
-            <a:r>
-              <a:rPr lang="en-IN" dirty="0"/>
-              <a:t>Healing process takes time</a:t>
-            </a:r>
-          </a:p>
-          <a:p>
-            <a:r>
-              <a:rPr lang="en-IN" dirty="0"/>
-              <a:t>Not enough animation support</a:t>
-            </a:r>
-          </a:p>
-        </p:txBody>
-      </p:sp>
-    </p:spTree>
-    <p:extLst>
-      <p:ext uri="{BB962C8B-B14F-4D97-AF65-F5344CB8AC3E}">
-        <p14:creationId xmlns:p14="http://schemas.microsoft.com/office/powerpoint/2010/main" val="1164778025"/>
-      </p:ext>
-    </p:extLst>
-  </p:cSld>
-  <p:clrMapOvr>
-    <a:masterClrMapping/>
-  </p:clrMapOvr>
-</p:sld>
-</file>
-
 <file path=ppt/slides/slide6.xml><?xml version="1.0" encoding="utf-8"?>
 <p:sld xmlns:a="http://schemas.openxmlformats.org/drawingml/2006/main" xmlns:r="http://schemas.openxmlformats.org/officeDocument/2006/relationships" xmlns:p="http://schemas.openxmlformats.org/presentationml/2006/main">
   <p:cSld>
@@ -5579,7 +5635,7 @@
         <p:spPr/>
         <p:txBody>
           <a:bodyPr>
-            <a:normAutofit/>
+            <a:normAutofit fontScale="92500" lnSpcReduction="20000"/>
           </a:bodyPr>
           <a:lstStyle/>
           <a:p>
@@ -5606,8 +5662,25 @@
           <a:p>
             <a:r>
               <a:rPr lang="en-NZ" dirty="0"/>
-              <a:t>Simple Interface</a:t>
-            </a:r>
+              <a:t>Simple </a:t>
+            </a:r>
+            <a:r>
+              <a:rPr lang="en-NZ" dirty="0" smtClean="0"/>
+              <a:t>Interface</a:t>
+            </a:r>
+          </a:p>
+          <a:p>
+            <a:r>
+              <a:rPr lang="en-NZ" dirty="0" smtClean="0"/>
+              <a:t>Rewards</a:t>
+            </a:r>
+          </a:p>
+          <a:p>
+            <a:r>
+              <a:rPr lang="en-NZ" dirty="0" smtClean="0"/>
+              <a:t>Multiple levels</a:t>
+            </a:r>
+            <a:endParaRPr lang="en-NZ" dirty="0"/>
           </a:p>
           <a:p>
             <a:pPr marL="0" indent="0">
@@ -5626,9 +5699,10 @@
           </a:p>
           <a:p>
             <a:r>
-              <a:rPr lang="en-NZ" dirty="0"/>
-              <a:t>Voice audio</a:t>
-            </a:r>
+              <a:rPr lang="en-NZ" dirty="0" smtClean="0"/>
+              <a:t>Voice feedback</a:t>
+            </a:r>
+            <a:endParaRPr lang="en-NZ" dirty="0"/>
           </a:p>
           <a:p>
             <a:r>
@@ -5697,7 +5771,7 @@
           <p:cNvPr id="4" name="Picture 3">
             <a:extLst>
               <a:ext uri="{FF2B5EF4-FFF2-40B4-BE49-F238E27FC236}">
-                <a16:creationId xmlns:a16="http://schemas.microsoft.com/office/drawing/2014/main" xmlns="" id="{86A5B4EA-D68B-4A06-9E0D-0A9C6E55A5AB}"/>
+                <a16:creationId xmlns="" xmlns:a16="http://schemas.microsoft.com/office/drawing/2014/main" id="{86A5B4EA-D68B-4A06-9E0D-0A9C6E55A5AB}"/>
               </a:ext>
             </a:extLst>
           </p:cNvPr>
